--- a/presentations/agent_framework_overview.pptx
+++ b/presentations/agent_framework_overview.pptx
@@ -5667,62 +5667,62 @@
               <a:defRPr sz="1800"/>
             </a:pPr>
             <a:r>
-              <a:t>1. Chat Agents - Single-purpose AI agents with tools</a:t>
-            </a:r>
-          </a:p>
-          <a:p>
-            <a:pPr>
-              <a:spcAft>
-                <a:spcPts val="1200"/>
-              </a:spcAft>
-              <a:defRPr sz="1800"/>
-            </a:pPr>
-            <a:r>
-              <a:t>2. Agent Executors - Wrap agents for workflow integration</a:t>
-            </a:r>
-          </a:p>
-          <a:p>
-            <a:pPr>
-              <a:spcAft>
-                <a:spcPts val="1200"/>
-              </a:spcAft>
-              <a:defRPr sz="1800"/>
-            </a:pPr>
-            <a:r>
-              <a:t>3. Workflow Builder - Graph-based orchestration</a:t>
-            </a:r>
-          </a:p>
-          <a:p>
-            <a:pPr>
-              <a:spcAft>
-                <a:spcPts val="1200"/>
-              </a:spcAft>
-              <a:defRPr sz="1800"/>
-            </a:pPr>
-            <a:r>
-              <a:t>4. Chat Clients - LLM provider abstractions</a:t>
-            </a:r>
-          </a:p>
-          <a:p>
-            <a:pPr>
-              <a:spcAft>
-                <a:spcPts val="1200"/>
-              </a:spcAft>
-              <a:defRPr sz="1800"/>
-            </a:pPr>
-            <a:r>
-              <a:t>5. Tools &amp; Plugins - Extensible function calling</a:t>
-            </a:r>
-          </a:p>
-          <a:p>
-            <a:pPr>
-              <a:spcAft>
-                <a:spcPts val="1200"/>
-              </a:spcAft>
-              <a:defRPr sz="1800"/>
-            </a:pPr>
-            <a:r>
-              <a:t>6. Runtime - Execution environment (local or distributed)</a:t>
+              <a:t>1. Chat Agents - Conversational AI agents with instructions, tools, and state management for focused tasks</a:t>
+            </a:r>
+          </a:p>
+          <a:p>
+            <a:pPr>
+              <a:spcAft>
+                <a:spcPts val="1200"/>
+              </a:spcAft>
+              <a:defRPr sz="1800"/>
+            </a:pPr>
+            <a:r>
+              <a:t>2. Agent Executors - Wrapper layer that integrates agents into workflows, enabling coordination between multiple agents</a:t>
+            </a:r>
+          </a:p>
+          <a:p>
+            <a:pPr>
+              <a:spcAft>
+                <a:spcPts val="1200"/>
+              </a:spcAft>
+              <a:defRPr sz="1800"/>
+            </a:pPr>
+            <a:r>
+              <a:t>3. Workflow Builder - Fluent API for creating graph-based orchestrations with edges, streaming, and checkpointing</a:t>
+            </a:r>
+          </a:p>
+          <a:p>
+            <a:pPr>
+              <a:spcAft>
+                <a:spcPts val="1200"/>
+              </a:spcAft>
+              <a:defRPr sz="1800"/>
+            </a:pPr>
+            <a:r>
+              <a:t>4. Chat Clients - Provider-agnostic abstractions supporting OpenAI, Azure OpenAI, and Azure AI Foundry</a:t>
+            </a:r>
+          </a:p>
+          <a:p>
+            <a:pPr>
+              <a:spcAft>
+                <a:spcPts val="1200"/>
+              </a:spcAft>
+              <a:defRPr sz="1800"/>
+            </a:pPr>
+            <a:r>
+              <a:t>5. Tools &amp; Plugins - Type-safe function definitions with automatic schema generation for LLM invocation</a:t>
+            </a:r>
+          </a:p>
+          <a:p>
+            <a:pPr>
+              <a:spcAft>
+                <a:spcPts val="1200"/>
+              </a:spcAft>
+              <a:defRPr sz="1800"/>
+            </a:pPr>
+            <a:r>
+              <a:t>6. Runtime - Flexible execution supporting both in-process agents and distributed multi-agent systems</a:t>
             </a:r>
           </a:p>
         </p:txBody>
